--- a/UIUX/Connect.pptx
+++ b/UIUX/Connect.pptx
@@ -5,7 +5,7 @@
     <p:sldMasterId id="2147483657" r:id="rId1"/>
   </p:sldMasterIdLst>
   <p:notesMasterIdLst>
-    <p:notesMasterId r:id="rId16"/>
+    <p:notesMasterId r:id="rId18"/>
   </p:notesMasterIdLst>
   <p:sldIdLst>
     <p:sldId id="256" r:id="rId2"/>
@@ -18,20 +18,22 @@
     <p:sldId id="286" r:id="rId9"/>
     <p:sldId id="262" r:id="rId10"/>
     <p:sldId id="287" r:id="rId11"/>
-    <p:sldId id="288" r:id="rId12"/>
-    <p:sldId id="272" r:id="rId13"/>
-    <p:sldId id="289" r:id="rId14"/>
-    <p:sldId id="278" r:id="rId15"/>
+    <p:sldId id="291" r:id="rId12"/>
+    <p:sldId id="288" r:id="rId13"/>
+    <p:sldId id="272" r:id="rId14"/>
+    <p:sldId id="289" r:id="rId15"/>
+    <p:sldId id="292" r:id="rId16"/>
+    <p:sldId id="278" r:id="rId17"/>
   </p:sldIdLst>
   <p:sldSz cx="9144000" cy="5143500" type="screen16x9"/>
   <p:notesSz cx="6858000" cy="9144000"/>
   <p:embeddedFontLst>
     <p:embeddedFont>
       <p:font typeface="Cousine" panose="020B0604020202020204" charset="0"/>
-      <p:regular r:id="rId17"/>
-      <p:bold r:id="rId18"/>
-      <p:italic r:id="rId19"/>
-      <p:boldItalic r:id="rId20"/>
+      <p:regular r:id="rId19"/>
+      <p:bold r:id="rId20"/>
+      <p:italic r:id="rId21"/>
+      <p:boldItalic r:id="rId22"/>
     </p:embeddedFont>
   </p:embeddedFontLst>
   <p:defaultTextStyle>
@@ -1024,6 +1026,115 @@
     </p:spTree>
     <p:extLst>
       <p:ext uri="{BB962C8B-B14F-4D97-AF65-F5344CB8AC3E}">
+        <p14:creationId xmlns:p14="http://schemas.microsoft.com/office/powerpoint/2010/main" val="3477236696"/>
+      </p:ext>
+    </p:extLst>
+  </p:cSld>
+  <p:clrMapOvr>
+    <a:masterClrMapping/>
+  </p:clrMapOvr>
+</p:notes>
+</file>
+
+<file path=ppt/notesSlides/notesSlide12.xml><?xml version="1.0" encoding="utf-8"?>
+<p:notes xmlns:a="http://schemas.openxmlformats.org/drawingml/2006/main" xmlns:r="http://schemas.openxmlformats.org/officeDocument/2006/relationships" xmlns:p="http://schemas.openxmlformats.org/presentationml/2006/main" showMasterSp="0" showMasterPhAnim="0">
+  <p:cSld>
+    <p:spTree>
+      <p:nvGrpSpPr>
+        <p:cNvPr id="1" name="Shape 282"/>
+        <p:cNvGrpSpPr/>
+        <p:nvPr/>
+      </p:nvGrpSpPr>
+      <p:grpSpPr>
+        <a:xfrm>
+          <a:off x="0" y="0"/>
+          <a:ext cx="0" cy="0"/>
+          <a:chOff x="0" y="0"/>
+          <a:chExt cx="0" cy="0"/>
+        </a:xfrm>
+      </p:grpSpPr>
+      <p:sp>
+        <p:nvSpPr>
+          <p:cNvPr id="283" name="Google Shape;283;g35ed75ccf_073:notes"/>
+          <p:cNvSpPr>
+            <a:spLocks noGrp="1" noRot="1" noChangeAspect="1"/>
+          </p:cNvSpPr>
+          <p:nvPr>
+            <p:ph type="sldImg" idx="2"/>
+          </p:nvPr>
+        </p:nvSpPr>
+        <p:spPr>
+          <a:xfrm>
+            <a:off x="381000" y="685800"/>
+            <a:ext cx="6096000" cy="3429000"/>
+          </a:xfrm>
+          <a:custGeom>
+            <a:avLst/>
+            <a:gdLst/>
+            <a:ahLst/>
+            <a:cxnLst/>
+            <a:rect l="l" t="t" r="r" b="b"/>
+            <a:pathLst>
+              <a:path w="120000" h="120000" extrusionOk="0">
+                <a:moveTo>
+                  <a:pt x="0" y="0"/>
+                </a:moveTo>
+                <a:lnTo>
+                  <a:pt x="120000" y="0"/>
+                </a:lnTo>
+                <a:lnTo>
+                  <a:pt x="120000" y="120000"/>
+                </a:lnTo>
+                <a:lnTo>
+                  <a:pt x="0" y="120000"/>
+                </a:lnTo>
+                <a:close/>
+              </a:path>
+            </a:pathLst>
+          </a:custGeom>
+        </p:spPr>
+      </p:sp>
+      <p:sp>
+        <p:nvSpPr>
+          <p:cNvPr id="284" name="Google Shape;284;g35ed75ccf_073:notes"/>
+          <p:cNvSpPr txBox="1">
+            <a:spLocks noGrp="1"/>
+          </p:cNvSpPr>
+          <p:nvPr>
+            <p:ph type="body" idx="1"/>
+          </p:nvPr>
+        </p:nvSpPr>
+        <p:spPr>
+          <a:xfrm>
+            <a:off x="685800" y="4343400"/>
+            <a:ext cx="5486400" cy="4114800"/>
+          </a:xfrm>
+          <a:prstGeom prst="rect">
+            <a:avLst/>
+          </a:prstGeom>
+        </p:spPr>
+        <p:txBody>
+          <a:bodyPr spcFirstLastPara="1" wrap="square" lIns="91425" tIns="91425" rIns="91425" bIns="91425" anchor="t" anchorCtr="0">
+            <a:noAutofit/>
+          </a:bodyPr>
+          <a:lstStyle/>
+          <a:p>
+            <a:pPr marL="0" lvl="0" indent="0" algn="l" rtl="0">
+              <a:spcBef>
+                <a:spcPts val="0"/>
+              </a:spcBef>
+              <a:spcAft>
+                <a:spcPts val="0"/>
+              </a:spcAft>
+              <a:buNone/>
+            </a:pPr>
+            <a:endParaRPr/>
+          </a:p>
+        </p:txBody>
+      </p:sp>
+    </p:spTree>
+    <p:extLst>
+      <p:ext uri="{BB962C8B-B14F-4D97-AF65-F5344CB8AC3E}">
         <p14:creationId xmlns:p14="http://schemas.microsoft.com/office/powerpoint/2010/main" val="3348990065"/>
       </p:ext>
     </p:extLst>
@@ -1034,7 +1145,7 @@
 </p:notes>
 </file>
 
-<file path=ppt/notesSlides/notesSlide12.xml><?xml version="1.0" encoding="utf-8"?>
+<file path=ppt/notesSlides/notesSlide13.xml><?xml version="1.0" encoding="utf-8"?>
 <p:notes xmlns:a="http://schemas.openxmlformats.org/drawingml/2006/main" xmlns:r="http://schemas.openxmlformats.org/officeDocument/2006/relationships" xmlns:p="http://schemas.openxmlformats.org/presentationml/2006/main" showMasterSp="0" showMasterPhAnim="0">
   <p:cSld>
     <p:spTree>
@@ -1138,7 +1249,7 @@
 </p:notes>
 </file>
 
-<file path=ppt/notesSlides/notesSlide13.xml><?xml version="1.0" encoding="utf-8"?>
+<file path=ppt/notesSlides/notesSlide14.xml><?xml version="1.0" encoding="utf-8"?>
 <p:notes xmlns:a="http://schemas.openxmlformats.org/drawingml/2006/main" xmlns:r="http://schemas.openxmlformats.org/officeDocument/2006/relationships" xmlns:p="http://schemas.openxmlformats.org/presentationml/2006/main" showMasterSp="0" showMasterPhAnim="0">
   <p:cSld>
     <p:spTree>
@@ -1247,7 +1358,116 @@
 </p:notes>
 </file>
 
-<file path=ppt/notesSlides/notesSlide14.xml><?xml version="1.0" encoding="utf-8"?>
+<file path=ppt/notesSlides/notesSlide15.xml><?xml version="1.0" encoding="utf-8"?>
+<p:notes xmlns:a="http://schemas.openxmlformats.org/drawingml/2006/main" xmlns:r="http://schemas.openxmlformats.org/officeDocument/2006/relationships" xmlns:p="http://schemas.openxmlformats.org/presentationml/2006/main" showMasterSp="0" showMasterPhAnim="0">
+  <p:cSld>
+    <p:spTree>
+      <p:nvGrpSpPr>
+        <p:cNvPr id="1" name="Shape 282"/>
+        <p:cNvGrpSpPr/>
+        <p:nvPr/>
+      </p:nvGrpSpPr>
+      <p:grpSpPr>
+        <a:xfrm>
+          <a:off x="0" y="0"/>
+          <a:ext cx="0" cy="0"/>
+          <a:chOff x="0" y="0"/>
+          <a:chExt cx="0" cy="0"/>
+        </a:xfrm>
+      </p:grpSpPr>
+      <p:sp>
+        <p:nvSpPr>
+          <p:cNvPr id="283" name="Google Shape;283;g35ed75ccf_073:notes"/>
+          <p:cNvSpPr>
+            <a:spLocks noGrp="1" noRot="1" noChangeAspect="1"/>
+          </p:cNvSpPr>
+          <p:nvPr>
+            <p:ph type="sldImg" idx="2"/>
+          </p:nvPr>
+        </p:nvSpPr>
+        <p:spPr>
+          <a:xfrm>
+            <a:off x="381000" y="685800"/>
+            <a:ext cx="6096000" cy="3429000"/>
+          </a:xfrm>
+          <a:custGeom>
+            <a:avLst/>
+            <a:gdLst/>
+            <a:ahLst/>
+            <a:cxnLst/>
+            <a:rect l="l" t="t" r="r" b="b"/>
+            <a:pathLst>
+              <a:path w="120000" h="120000" extrusionOk="0">
+                <a:moveTo>
+                  <a:pt x="0" y="0"/>
+                </a:moveTo>
+                <a:lnTo>
+                  <a:pt x="120000" y="0"/>
+                </a:lnTo>
+                <a:lnTo>
+                  <a:pt x="120000" y="120000"/>
+                </a:lnTo>
+                <a:lnTo>
+                  <a:pt x="0" y="120000"/>
+                </a:lnTo>
+                <a:close/>
+              </a:path>
+            </a:pathLst>
+          </a:custGeom>
+        </p:spPr>
+      </p:sp>
+      <p:sp>
+        <p:nvSpPr>
+          <p:cNvPr id="284" name="Google Shape;284;g35ed75ccf_073:notes"/>
+          <p:cNvSpPr txBox="1">
+            <a:spLocks noGrp="1"/>
+          </p:cNvSpPr>
+          <p:nvPr>
+            <p:ph type="body" idx="1"/>
+          </p:nvPr>
+        </p:nvSpPr>
+        <p:spPr>
+          <a:xfrm>
+            <a:off x="685800" y="4343400"/>
+            <a:ext cx="5486400" cy="4114800"/>
+          </a:xfrm>
+          <a:prstGeom prst="rect">
+            <a:avLst/>
+          </a:prstGeom>
+        </p:spPr>
+        <p:txBody>
+          <a:bodyPr spcFirstLastPara="1" wrap="square" lIns="91425" tIns="91425" rIns="91425" bIns="91425" anchor="t" anchorCtr="0">
+            <a:noAutofit/>
+          </a:bodyPr>
+          <a:lstStyle/>
+          <a:p>
+            <a:pPr marL="0" lvl="0" indent="0" algn="l" rtl="0">
+              <a:spcBef>
+                <a:spcPts val="0"/>
+              </a:spcBef>
+              <a:spcAft>
+                <a:spcPts val="0"/>
+              </a:spcAft>
+              <a:buNone/>
+            </a:pPr>
+            <a:endParaRPr/>
+          </a:p>
+        </p:txBody>
+      </p:sp>
+    </p:spTree>
+    <p:extLst>
+      <p:ext uri="{BB962C8B-B14F-4D97-AF65-F5344CB8AC3E}">
+        <p14:creationId xmlns:p14="http://schemas.microsoft.com/office/powerpoint/2010/main" val="601679698"/>
+      </p:ext>
+    </p:extLst>
+  </p:cSld>
+  <p:clrMapOvr>
+    <a:masterClrMapping/>
+  </p:clrMapOvr>
+</p:notes>
+</file>
+
+<file path=ppt/notesSlides/notesSlide16.xml><?xml version="1.0" encoding="utf-8"?>
 <p:notes xmlns:a="http://schemas.openxmlformats.org/drawingml/2006/main" xmlns:r="http://schemas.openxmlformats.org/officeDocument/2006/relationships" xmlns:p="http://schemas.openxmlformats.org/presentationml/2006/main" showMasterSp="0" showMasterPhAnim="0">
   <p:cSld>
     <p:spTree>
@@ -5794,6 +6014,40 @@
           </a:p>
         </p:txBody>
       </p:sp>
+      <p:sp>
+        <p:nvSpPr>
+          <p:cNvPr id="2" name="Rectangle 1">
+            <a:extLst>
+              <a:ext uri="{FF2B5EF4-FFF2-40B4-BE49-F238E27FC236}">
+                <a16:creationId xmlns:a16="http://schemas.microsoft.com/office/drawing/2014/main" id="{279170B1-E581-4C31-937A-5D8749B91E18}"/>
+              </a:ext>
+            </a:extLst>
+          </p:cNvPr>
+          <p:cNvSpPr/>
+          <p:nvPr/>
+        </p:nvSpPr>
+        <p:spPr>
+          <a:xfrm>
+            <a:off x="3259782" y="2417862"/>
+            <a:ext cx="2624436" cy="307777"/>
+          </a:xfrm>
+          <a:prstGeom prst="rect">
+            <a:avLst/>
+          </a:prstGeom>
+        </p:spPr>
+        <p:txBody>
+          <a:bodyPr wrap="none">
+            <a:spAutoFit/>
+          </a:bodyPr>
+          <a:lstStyle/>
+          <a:p>
+            <a:r>
+              <a:rPr lang="en-US" dirty="0"/>
+              <a:t>https://youtu.be/7kVFSy2Us0E</a:t>
+            </a:r>
+          </a:p>
+        </p:txBody>
+      </p:sp>
     </p:spTree>
     <p:extLst>
       <p:ext uri="{BB962C8B-B14F-4D97-AF65-F5344CB8AC3E}">
@@ -5871,7 +6125,7 @@
           <p:cNvPr id="3" name="Rectangle 2">
             <a:extLst>
               <a:ext uri="{FF2B5EF4-FFF2-40B4-BE49-F238E27FC236}">
-                <a16:creationId xmlns:a16="http://schemas.microsoft.com/office/drawing/2014/main" id="{BED68C6E-EED3-43E2-96F6-E60F9296BF7C}"/>
+                <a16:creationId xmlns:a16="http://schemas.microsoft.com/office/drawing/2014/main" id="{E3864E52-2F6E-47DA-9353-230A966E117B}"/>
               </a:ext>
             </a:extLst>
           </p:cNvPr>
@@ -5880,39 +6134,95 @@
         </p:nvSpPr>
         <p:spPr>
           <a:xfrm>
-            <a:off x="159743" y="4735337"/>
-            <a:ext cx="4880113" cy="307777"/>
+            <a:off x="3290239" y="2417862"/>
+            <a:ext cx="2563522" cy="307777"/>
           </a:xfrm>
           <a:prstGeom prst="rect">
             <a:avLst/>
           </a:prstGeom>
         </p:spPr>
         <p:txBody>
-          <a:bodyPr wrap="square">
+          <a:bodyPr wrap="none">
             <a:spAutoFit/>
           </a:bodyPr>
           <a:lstStyle/>
           <a:p>
             <a:r>
-              <a:rPr lang="en-US" dirty="0">
-                <a:solidFill>
-                  <a:schemeClr val="tx1"/>
-                </a:solidFill>
-                <a:hlinkClick r:id="rId3">
-                  <a:extLst>
-                    <a:ext uri="{A12FA001-AC4F-418D-AE19-62706E023703}">
-                      <ahyp:hlinkClr xmlns:ahyp="http://schemas.microsoft.com/office/drawing/2018/hyperlinkcolor" val="tx"/>
-                    </a:ext>
-                  </a:extLst>
-                </a:hlinkClick>
-              </a:rPr>
-              <a:t>https://wze6a2.axshare.com/#id=f4c3vb&amp;p=lading_page</a:t>
+              <a:rPr lang="en-US" dirty="0"/>
+              <a:t>https://youtu.be/qiFNTVrEoK0</a:t>
             </a:r>
-            <a:endParaRPr lang="en-US" dirty="0">
-              <a:solidFill>
-                <a:schemeClr val="tx1"/>
-              </a:solidFill>
-            </a:endParaRPr>
+          </a:p>
+        </p:txBody>
+      </p:sp>
+    </p:spTree>
+    <p:extLst>
+      <p:ext uri="{BB962C8B-B14F-4D97-AF65-F5344CB8AC3E}">
+        <p14:creationId xmlns:p14="http://schemas.microsoft.com/office/powerpoint/2010/main" val="3720339481"/>
+      </p:ext>
+    </p:extLst>
+  </p:cSld>
+  <p:clrMapOvr>
+    <a:masterClrMapping/>
+  </p:clrMapOvr>
+</p:sld>
+</file>
+
+<file path=ppt/slides/slide12.xml><?xml version="1.0" encoding="utf-8"?>
+<p:sld xmlns:a="http://schemas.openxmlformats.org/drawingml/2006/main" xmlns:r="http://schemas.openxmlformats.org/officeDocument/2006/relationships" xmlns:p="http://schemas.openxmlformats.org/presentationml/2006/main">
+  <p:cSld>
+    <p:spTree>
+      <p:nvGrpSpPr>
+        <p:cNvPr id="1" name="Shape 285"/>
+        <p:cNvGrpSpPr/>
+        <p:nvPr/>
+      </p:nvGrpSpPr>
+      <p:grpSpPr>
+        <a:xfrm>
+          <a:off x="0" y="0"/>
+          <a:ext cx="0" cy="0"/>
+          <a:chOff x="0" y="0"/>
+          <a:chExt cx="0" cy="0"/>
+        </a:xfrm>
+      </p:grpSpPr>
+      <p:sp>
+        <p:nvSpPr>
+          <p:cNvPr id="288" name="Google Shape;288;p29"/>
+          <p:cNvSpPr txBox="1">
+            <a:spLocks noGrp="1"/>
+          </p:cNvSpPr>
+          <p:nvPr>
+            <p:ph type="sldNum" idx="12"/>
+          </p:nvPr>
+        </p:nvSpPr>
+        <p:spPr>
+          <a:xfrm>
+            <a:off x="8523157" y="4641567"/>
+            <a:ext cx="461100" cy="291900"/>
+          </a:xfrm>
+          <a:prstGeom prst="rect">
+            <a:avLst/>
+          </a:prstGeom>
+        </p:spPr>
+        <p:txBody>
+          <a:bodyPr spcFirstLastPara="1" wrap="square" lIns="91425" tIns="91425" rIns="91425" bIns="91425" anchor="t" anchorCtr="0">
+            <a:noAutofit/>
+          </a:bodyPr>
+          <a:lstStyle/>
+          <a:p>
+            <a:pPr marL="0" lvl="0" indent="0" algn="r" rtl="0">
+              <a:spcBef>
+                <a:spcPts val="0"/>
+              </a:spcBef>
+              <a:spcAft>
+                <a:spcPts val="0"/>
+              </a:spcAft>
+              <a:buNone/>
+            </a:pPr>
+            <a:fld id="{00000000-1234-1234-1234-123412341234}" type="slidenum">
+              <a:rPr lang="en"/>
+              <a:t>12</a:t>
+            </a:fld>
+            <a:endParaRPr/>
           </a:p>
         </p:txBody>
       </p:sp>
@@ -5930,7 +6240,7 @@
         </p:nvSpPr>
         <p:spPr>
           <a:xfrm>
-            <a:off x="159743" y="154652"/>
+            <a:off x="3270201" y="2417861"/>
             <a:ext cx="2603598" cy="307777"/>
           </a:xfrm>
           <a:prstGeom prst="rect">
@@ -5963,7 +6273,7 @@
 </p:sld>
 </file>
 
-<file path=ppt/slides/slide12.xml><?xml version="1.0" encoding="utf-8"?>
+<file path=ppt/slides/slide13.xml><?xml version="1.0" encoding="utf-8"?>
 <p:sld xmlns:a="http://schemas.openxmlformats.org/drawingml/2006/main" xmlns:r="http://schemas.openxmlformats.org/officeDocument/2006/relationships" xmlns:p="http://schemas.openxmlformats.org/presentationml/2006/main">
   <p:cSld>
     <p:spTree>
@@ -6307,7 +6617,7 @@
             </a:pPr>
             <a:fld id="{00000000-1234-1234-1234-123412341234}" type="slidenum">
               <a:rPr lang="en"/>
-              <a:t>12</a:t>
+              <a:t>13</a:t>
             </a:fld>
             <a:endParaRPr/>
           </a:p>
@@ -6719,7 +7029,7 @@
 </p:sld>
 </file>
 
-<file path=ppt/slides/slide13.xml><?xml version="1.0" encoding="utf-8"?>
+<file path=ppt/slides/slide14.xml><?xml version="1.0" encoding="utf-8"?>
 <p:sld xmlns:a="http://schemas.openxmlformats.org/drawingml/2006/main" xmlns:r="http://schemas.openxmlformats.org/officeDocument/2006/relationships" xmlns:p="http://schemas.openxmlformats.org/presentationml/2006/main">
   <p:cSld>
     <p:spTree>
@@ -9231,7 +9541,7 @@
             </a:pPr>
             <a:fld id="{00000000-1234-1234-1234-123412341234}" type="slidenum">
               <a:rPr lang="en"/>
-              <a:t>13</a:t>
+              <a:t>14</a:t>
             </a:fld>
             <a:endParaRPr/>
           </a:p>
@@ -9250,7 +9560,129 @@
 </p:sld>
 </file>
 
-<file path=ppt/slides/slide14.xml><?xml version="1.0" encoding="utf-8"?>
+<file path=ppt/slides/slide15.xml><?xml version="1.0" encoding="utf-8"?>
+<p:sld xmlns:a="http://schemas.openxmlformats.org/drawingml/2006/main" xmlns:r="http://schemas.openxmlformats.org/officeDocument/2006/relationships" xmlns:p="http://schemas.openxmlformats.org/presentationml/2006/main">
+  <p:cSld>
+    <p:spTree>
+      <p:nvGrpSpPr>
+        <p:cNvPr id="1" name="Shape 285"/>
+        <p:cNvGrpSpPr/>
+        <p:nvPr/>
+      </p:nvGrpSpPr>
+      <p:grpSpPr>
+        <a:xfrm>
+          <a:off x="0" y="0"/>
+          <a:ext cx="0" cy="0"/>
+          <a:chOff x="0" y="0"/>
+          <a:chExt cx="0" cy="0"/>
+        </a:xfrm>
+      </p:grpSpPr>
+      <p:sp>
+        <p:nvSpPr>
+          <p:cNvPr id="288" name="Google Shape;288;p29"/>
+          <p:cNvSpPr txBox="1">
+            <a:spLocks noGrp="1"/>
+          </p:cNvSpPr>
+          <p:nvPr>
+            <p:ph type="sldNum" idx="12"/>
+          </p:nvPr>
+        </p:nvSpPr>
+        <p:spPr>
+          <a:xfrm>
+            <a:off x="8523157" y="4641567"/>
+            <a:ext cx="461100" cy="291900"/>
+          </a:xfrm>
+          <a:prstGeom prst="rect">
+            <a:avLst/>
+          </a:prstGeom>
+        </p:spPr>
+        <p:txBody>
+          <a:bodyPr spcFirstLastPara="1" wrap="square" lIns="91425" tIns="91425" rIns="91425" bIns="91425" anchor="t" anchorCtr="0">
+            <a:noAutofit/>
+          </a:bodyPr>
+          <a:lstStyle/>
+          <a:p>
+            <a:pPr marL="0" lvl="0" indent="0" algn="r" rtl="0">
+              <a:spcBef>
+                <a:spcPts val="0"/>
+              </a:spcBef>
+              <a:spcAft>
+                <a:spcPts val="0"/>
+              </a:spcAft>
+              <a:buNone/>
+            </a:pPr>
+            <a:fld id="{00000000-1234-1234-1234-123412341234}" type="slidenum">
+              <a:rPr lang="en"/>
+              <a:t>15</a:t>
+            </a:fld>
+            <a:endParaRPr/>
+          </a:p>
+        </p:txBody>
+      </p:sp>
+      <p:sp>
+        <p:nvSpPr>
+          <p:cNvPr id="4" name="Rectangle 3">
+            <a:extLst>
+              <a:ext uri="{FF2B5EF4-FFF2-40B4-BE49-F238E27FC236}">
+                <a16:creationId xmlns:a16="http://schemas.microsoft.com/office/drawing/2014/main" id="{834F6DB8-970F-4F24-AD5A-0CF7D5B363A3}"/>
+              </a:ext>
+            </a:extLst>
+          </p:cNvPr>
+          <p:cNvSpPr/>
+          <p:nvPr/>
+        </p:nvSpPr>
+        <p:spPr>
+          <a:xfrm>
+            <a:off x="2131944" y="2417862"/>
+            <a:ext cx="4880113" cy="307777"/>
+          </a:xfrm>
+          <a:prstGeom prst="rect">
+            <a:avLst/>
+          </a:prstGeom>
+        </p:spPr>
+        <p:txBody>
+          <a:bodyPr wrap="square">
+            <a:spAutoFit/>
+          </a:bodyPr>
+          <a:lstStyle/>
+          <a:p>
+            <a:r>
+              <a:rPr lang="en-US" dirty="0">
+                <a:solidFill>
+                  <a:schemeClr val="tx1"/>
+                </a:solidFill>
+                <a:hlinkClick r:id="rId3">
+                  <a:extLst>
+                    <a:ext uri="{A12FA001-AC4F-418D-AE19-62706E023703}">
+                      <ahyp:hlinkClr xmlns:ahyp="http://schemas.microsoft.com/office/drawing/2018/hyperlinkcolor" val="tx"/>
+                    </a:ext>
+                  </a:extLst>
+                </a:hlinkClick>
+              </a:rPr>
+              <a:t>https://wze6a2.axshare.com/#id=f4c3vb&amp;p=lading_page</a:t>
+            </a:r>
+            <a:endParaRPr lang="en-US" dirty="0">
+              <a:solidFill>
+                <a:schemeClr val="tx1"/>
+              </a:solidFill>
+            </a:endParaRPr>
+          </a:p>
+        </p:txBody>
+      </p:sp>
+    </p:spTree>
+    <p:extLst>
+      <p:ext uri="{BB962C8B-B14F-4D97-AF65-F5344CB8AC3E}">
+        <p14:creationId xmlns:p14="http://schemas.microsoft.com/office/powerpoint/2010/main" val="1226779218"/>
+      </p:ext>
+    </p:extLst>
+  </p:cSld>
+  <p:clrMapOvr>
+    <a:masterClrMapping/>
+  </p:clrMapOvr>
+</p:sld>
+</file>
+
+<file path=ppt/slides/slide16.xml><?xml version="1.0" encoding="utf-8"?>
 <p:sld xmlns:a="http://schemas.openxmlformats.org/drawingml/2006/main" xmlns:r="http://schemas.openxmlformats.org/officeDocument/2006/relationships" xmlns:p="http://schemas.openxmlformats.org/presentationml/2006/main">
   <p:cSld>
     <p:spTree>
@@ -9395,7 +9827,7 @@
             </a:pPr>
             <a:fld id="{00000000-1234-1234-1234-123412341234}" type="slidenum">
               <a:rPr lang="en"/>
-              <a:t>14</a:t>
+              <a:t>16</a:t>
             </a:fld>
             <a:endParaRPr/>
           </a:p>

--- a/UIUX/Connect.pptx
+++ b/UIUX/Connect.pptx
@@ -5,7 +5,7 @@
     <p:sldMasterId id="2147483657" r:id="rId1"/>
   </p:sldMasterIdLst>
   <p:notesMasterIdLst>
-    <p:notesMasterId r:id="rId18"/>
+    <p:notesMasterId r:id="rId19"/>
   </p:notesMasterIdLst>
   <p:sldIdLst>
     <p:sldId id="256" r:id="rId2"/>
@@ -23,17 +23,18 @@
     <p:sldId id="272" r:id="rId14"/>
     <p:sldId id="289" r:id="rId15"/>
     <p:sldId id="292" r:id="rId16"/>
-    <p:sldId id="278" r:id="rId17"/>
+    <p:sldId id="293" r:id="rId17"/>
+    <p:sldId id="278" r:id="rId18"/>
   </p:sldIdLst>
   <p:sldSz cx="9144000" cy="5143500" type="screen16x9"/>
   <p:notesSz cx="6858000" cy="9144000"/>
   <p:embeddedFontLst>
     <p:embeddedFont>
       <p:font typeface="Cousine" panose="020B0604020202020204" charset="0"/>
-      <p:regular r:id="rId19"/>
-      <p:bold r:id="rId20"/>
-      <p:italic r:id="rId21"/>
-      <p:boldItalic r:id="rId22"/>
+      <p:regular r:id="rId20"/>
+      <p:bold r:id="rId21"/>
+      <p:italic r:id="rId22"/>
+      <p:boldItalic r:id="rId23"/>
     </p:embeddedFont>
   </p:embeddedFontLst>
   <p:defaultTextStyle>
@@ -1468,6 +1469,115 @@
 </file>
 
 <file path=ppt/notesSlides/notesSlide16.xml><?xml version="1.0" encoding="utf-8"?>
+<p:notes xmlns:a="http://schemas.openxmlformats.org/drawingml/2006/main" xmlns:r="http://schemas.openxmlformats.org/officeDocument/2006/relationships" xmlns:p="http://schemas.openxmlformats.org/presentationml/2006/main" showMasterSp="0" showMasterPhAnim="0">
+  <p:cSld>
+    <p:spTree>
+      <p:nvGrpSpPr>
+        <p:cNvPr id="1" name="Shape 282"/>
+        <p:cNvGrpSpPr/>
+        <p:nvPr/>
+      </p:nvGrpSpPr>
+      <p:grpSpPr>
+        <a:xfrm>
+          <a:off x="0" y="0"/>
+          <a:ext cx="0" cy="0"/>
+          <a:chOff x="0" y="0"/>
+          <a:chExt cx="0" cy="0"/>
+        </a:xfrm>
+      </p:grpSpPr>
+      <p:sp>
+        <p:nvSpPr>
+          <p:cNvPr id="283" name="Google Shape;283;g35ed75ccf_073:notes"/>
+          <p:cNvSpPr>
+            <a:spLocks noGrp="1" noRot="1" noChangeAspect="1"/>
+          </p:cNvSpPr>
+          <p:nvPr>
+            <p:ph type="sldImg" idx="2"/>
+          </p:nvPr>
+        </p:nvSpPr>
+        <p:spPr>
+          <a:xfrm>
+            <a:off x="381000" y="685800"/>
+            <a:ext cx="6096000" cy="3429000"/>
+          </a:xfrm>
+          <a:custGeom>
+            <a:avLst/>
+            <a:gdLst/>
+            <a:ahLst/>
+            <a:cxnLst/>
+            <a:rect l="l" t="t" r="r" b="b"/>
+            <a:pathLst>
+              <a:path w="120000" h="120000" extrusionOk="0">
+                <a:moveTo>
+                  <a:pt x="0" y="0"/>
+                </a:moveTo>
+                <a:lnTo>
+                  <a:pt x="120000" y="0"/>
+                </a:lnTo>
+                <a:lnTo>
+                  <a:pt x="120000" y="120000"/>
+                </a:lnTo>
+                <a:lnTo>
+                  <a:pt x="0" y="120000"/>
+                </a:lnTo>
+                <a:close/>
+              </a:path>
+            </a:pathLst>
+          </a:custGeom>
+        </p:spPr>
+      </p:sp>
+      <p:sp>
+        <p:nvSpPr>
+          <p:cNvPr id="284" name="Google Shape;284;g35ed75ccf_073:notes"/>
+          <p:cNvSpPr txBox="1">
+            <a:spLocks noGrp="1"/>
+          </p:cNvSpPr>
+          <p:nvPr>
+            <p:ph type="body" idx="1"/>
+          </p:nvPr>
+        </p:nvSpPr>
+        <p:spPr>
+          <a:xfrm>
+            <a:off x="685800" y="4343400"/>
+            <a:ext cx="5486400" cy="4114800"/>
+          </a:xfrm>
+          <a:prstGeom prst="rect">
+            <a:avLst/>
+          </a:prstGeom>
+        </p:spPr>
+        <p:txBody>
+          <a:bodyPr spcFirstLastPara="1" wrap="square" lIns="91425" tIns="91425" rIns="91425" bIns="91425" anchor="t" anchorCtr="0">
+            <a:noAutofit/>
+          </a:bodyPr>
+          <a:lstStyle/>
+          <a:p>
+            <a:pPr marL="0" lvl="0" indent="0" algn="l" rtl="0">
+              <a:spcBef>
+                <a:spcPts val="0"/>
+              </a:spcBef>
+              <a:spcAft>
+                <a:spcPts val="0"/>
+              </a:spcAft>
+              <a:buNone/>
+            </a:pPr>
+            <a:endParaRPr/>
+          </a:p>
+        </p:txBody>
+      </p:sp>
+    </p:spTree>
+    <p:extLst>
+      <p:ext uri="{BB962C8B-B14F-4D97-AF65-F5344CB8AC3E}">
+        <p14:creationId xmlns:p14="http://schemas.microsoft.com/office/powerpoint/2010/main" val="2826471622"/>
+      </p:ext>
+    </p:extLst>
+  </p:cSld>
+  <p:clrMapOvr>
+    <a:masterClrMapping/>
+  </p:clrMapOvr>
+</p:notes>
+</file>
+
+<file path=ppt/notesSlides/notesSlide17.xml><?xml version="1.0" encoding="utf-8"?>
 <p:notes xmlns:a="http://schemas.openxmlformats.org/drawingml/2006/main" xmlns:r="http://schemas.openxmlformats.org/officeDocument/2006/relationships" xmlns:p="http://schemas.openxmlformats.org/presentationml/2006/main" showMasterSp="0" showMasterPhAnim="0">
   <p:cSld>
     <p:spTree>
@@ -9687,6 +9797,112 @@
   <p:cSld>
     <p:spTree>
       <p:nvGrpSpPr>
+        <p:cNvPr id="1" name="Shape 285"/>
+        <p:cNvGrpSpPr/>
+        <p:nvPr/>
+      </p:nvGrpSpPr>
+      <p:grpSpPr>
+        <a:xfrm>
+          <a:off x="0" y="0"/>
+          <a:ext cx="0" cy="0"/>
+          <a:chOff x="0" y="0"/>
+          <a:chExt cx="0" cy="0"/>
+        </a:xfrm>
+      </p:grpSpPr>
+      <p:sp>
+        <p:nvSpPr>
+          <p:cNvPr id="288" name="Google Shape;288;p29"/>
+          <p:cNvSpPr txBox="1">
+            <a:spLocks noGrp="1"/>
+          </p:cNvSpPr>
+          <p:nvPr>
+            <p:ph type="sldNum" idx="12"/>
+          </p:nvPr>
+        </p:nvSpPr>
+        <p:spPr>
+          <a:xfrm>
+            <a:off x="8523157" y="4641567"/>
+            <a:ext cx="461100" cy="291900"/>
+          </a:xfrm>
+          <a:prstGeom prst="rect">
+            <a:avLst/>
+          </a:prstGeom>
+        </p:spPr>
+        <p:txBody>
+          <a:bodyPr spcFirstLastPara="1" wrap="square" lIns="91425" tIns="91425" rIns="91425" bIns="91425" anchor="t" anchorCtr="0">
+            <a:noAutofit/>
+          </a:bodyPr>
+          <a:lstStyle/>
+          <a:p>
+            <a:pPr marL="0" lvl="0" indent="0" algn="r" rtl="0">
+              <a:spcBef>
+                <a:spcPts val="0"/>
+              </a:spcBef>
+              <a:spcAft>
+                <a:spcPts val="0"/>
+              </a:spcAft>
+              <a:buNone/>
+            </a:pPr>
+            <a:fld id="{00000000-1234-1234-1234-123412341234}" type="slidenum">
+              <a:rPr lang="en"/>
+              <a:t>16</a:t>
+            </a:fld>
+            <a:endParaRPr/>
+          </a:p>
+        </p:txBody>
+      </p:sp>
+      <p:sp>
+        <p:nvSpPr>
+          <p:cNvPr id="2" name="Rectangle 1">
+            <a:extLst>
+              <a:ext uri="{FF2B5EF4-FFF2-40B4-BE49-F238E27FC236}">
+                <a16:creationId xmlns:a16="http://schemas.microsoft.com/office/drawing/2014/main" id="{2C11DBC7-BCD5-49FE-9F60-B3F24820EC89}"/>
+              </a:ext>
+            </a:extLst>
+          </p:cNvPr>
+          <p:cNvSpPr/>
+          <p:nvPr/>
+        </p:nvSpPr>
+        <p:spPr>
+          <a:xfrm>
+            <a:off x="1453422" y="2417862"/>
+            <a:ext cx="6237157" cy="307777"/>
+          </a:xfrm>
+          <a:prstGeom prst="rect">
+            <a:avLst/>
+          </a:prstGeom>
+        </p:spPr>
+        <p:txBody>
+          <a:bodyPr wrap="square">
+            <a:spAutoFit/>
+          </a:bodyPr>
+          <a:lstStyle/>
+          <a:p>
+            <a:r>
+              <a:rPr lang="en-US" dirty="0"/>
+              <a:t>https://xd.adobe.com/spec/6e2f7e6e-ea24-41fd-6554-fa967b9e0913-181e/</a:t>
+            </a:r>
+          </a:p>
+        </p:txBody>
+      </p:sp>
+    </p:spTree>
+    <p:extLst>
+      <p:ext uri="{BB962C8B-B14F-4D97-AF65-F5344CB8AC3E}">
+        <p14:creationId xmlns:p14="http://schemas.microsoft.com/office/powerpoint/2010/main" val="410177741"/>
+      </p:ext>
+    </p:extLst>
+  </p:cSld>
+  <p:clrMapOvr>
+    <a:masterClrMapping/>
+  </p:clrMapOvr>
+</p:sld>
+</file>
+
+<file path=ppt/slides/slide17.xml><?xml version="1.0" encoding="utf-8"?>
+<p:sld xmlns:a="http://schemas.openxmlformats.org/drawingml/2006/main" xmlns:r="http://schemas.openxmlformats.org/officeDocument/2006/relationships" xmlns:p="http://schemas.openxmlformats.org/presentationml/2006/main">
+  <p:cSld>
+    <p:spTree>
+      <p:nvGrpSpPr>
         <p:cNvPr id="1" name="Shape 324"/>
         <p:cNvGrpSpPr/>
         <p:nvPr/>
@@ -9827,7 +10043,7 @@
             </a:pPr>
             <a:fld id="{00000000-1234-1234-1234-123412341234}" type="slidenum">
               <a:rPr lang="en"/>
-              <a:t>16</a:t>
+              <a:t>17</a:t>
             </a:fld>
             <a:endParaRPr/>
           </a:p>
